--- a/2º Semestre/Arquitetura e modelagem de dados/Projeto final/Slide.pptx
+++ b/2º Semestre/Arquitetura e modelagem de dados/Projeto final/Slide.pptx
@@ -5,7 +5,7 @@
     <p:sldMasterId id="2147483648" r:id="rId1"/>
   </p:sldMasterIdLst>
   <p:notesMasterIdLst>
-    <p:notesMasterId r:id="rId19"/>
+    <p:notesMasterId r:id="rId20"/>
   </p:notesMasterIdLst>
   <p:sldIdLst>
     <p:sldId id="256" r:id="rId2"/>
@@ -25,6 +25,7 @@
     <p:sldId id="271" r:id="rId16"/>
     <p:sldId id="272" r:id="rId17"/>
     <p:sldId id="273" r:id="rId18"/>
+    <p:sldId id="274" r:id="rId19"/>
   </p:sldIdLst>
   <p:sldSz cx="12192000" cy="6858000"/>
   <p:notesSz cx="6858000" cy="9144000"/>
@@ -225,7 +226,7 @@
           <a:p>
             <a:fld id="{42E64E69-AB36-4ED5-9FE5-0E304ABA64BE}" type="datetimeFigureOut">
               <a:rPr lang="pt-BR" smtClean="0"/>
-              <a:t>25/11/2018</a:t>
+              <a:t>26/11/2018</a:t>
             </a:fld>
             <a:endParaRPr lang="pt-BR"/>
           </a:p>
@@ -639,7 +640,7 @@
           <a:p>
             <a:fld id="{372EE6C8-D507-47FC-B932-52EEF7233B7C}" type="datetimeFigureOut">
               <a:rPr lang="pt-BR" smtClean="0"/>
-              <a:t>25/11/2018</a:t>
+              <a:t>26/11/2018</a:t>
             </a:fld>
             <a:endParaRPr lang="pt-BR"/>
           </a:p>
@@ -837,7 +838,7 @@
           <a:p>
             <a:fld id="{372EE6C8-D507-47FC-B932-52EEF7233B7C}" type="datetimeFigureOut">
               <a:rPr lang="pt-BR" smtClean="0"/>
-              <a:t>25/11/2018</a:t>
+              <a:t>26/11/2018</a:t>
             </a:fld>
             <a:endParaRPr lang="pt-BR"/>
           </a:p>
@@ -1045,7 +1046,7 @@
           <a:p>
             <a:fld id="{372EE6C8-D507-47FC-B932-52EEF7233B7C}" type="datetimeFigureOut">
               <a:rPr lang="pt-BR" smtClean="0"/>
-              <a:t>25/11/2018</a:t>
+              <a:t>26/11/2018</a:t>
             </a:fld>
             <a:endParaRPr lang="pt-BR"/>
           </a:p>
@@ -1243,7 +1244,7 @@
           <a:p>
             <a:fld id="{372EE6C8-D507-47FC-B932-52EEF7233B7C}" type="datetimeFigureOut">
               <a:rPr lang="pt-BR" smtClean="0"/>
-              <a:t>25/11/2018</a:t>
+              <a:t>26/11/2018</a:t>
             </a:fld>
             <a:endParaRPr lang="pt-BR"/>
           </a:p>
@@ -1518,7 +1519,7 @@
           <a:p>
             <a:fld id="{372EE6C8-D507-47FC-B932-52EEF7233B7C}" type="datetimeFigureOut">
               <a:rPr lang="pt-BR" smtClean="0"/>
-              <a:t>25/11/2018</a:t>
+              <a:t>26/11/2018</a:t>
             </a:fld>
             <a:endParaRPr lang="pt-BR"/>
           </a:p>
@@ -1783,7 +1784,7 @@
           <a:p>
             <a:fld id="{372EE6C8-D507-47FC-B932-52EEF7233B7C}" type="datetimeFigureOut">
               <a:rPr lang="pt-BR" smtClean="0"/>
-              <a:t>25/11/2018</a:t>
+              <a:t>26/11/2018</a:t>
             </a:fld>
             <a:endParaRPr lang="pt-BR"/>
           </a:p>
@@ -2195,7 +2196,7 @@
           <a:p>
             <a:fld id="{372EE6C8-D507-47FC-B932-52EEF7233B7C}" type="datetimeFigureOut">
               <a:rPr lang="pt-BR" smtClean="0"/>
-              <a:t>25/11/2018</a:t>
+              <a:t>26/11/2018</a:t>
             </a:fld>
             <a:endParaRPr lang="pt-BR"/>
           </a:p>
@@ -2336,7 +2337,7 @@
           <a:p>
             <a:fld id="{372EE6C8-D507-47FC-B932-52EEF7233B7C}" type="datetimeFigureOut">
               <a:rPr lang="pt-BR" smtClean="0"/>
-              <a:t>25/11/2018</a:t>
+              <a:t>26/11/2018</a:t>
             </a:fld>
             <a:endParaRPr lang="pt-BR"/>
           </a:p>
@@ -2449,7 +2450,7 @@
           <a:p>
             <a:fld id="{372EE6C8-D507-47FC-B932-52EEF7233B7C}" type="datetimeFigureOut">
               <a:rPr lang="pt-BR" smtClean="0"/>
-              <a:t>25/11/2018</a:t>
+              <a:t>26/11/2018</a:t>
             </a:fld>
             <a:endParaRPr lang="pt-BR"/>
           </a:p>
@@ -2760,7 +2761,7 @@
           <a:p>
             <a:fld id="{372EE6C8-D507-47FC-B932-52EEF7233B7C}" type="datetimeFigureOut">
               <a:rPr lang="pt-BR" smtClean="0"/>
-              <a:t>25/11/2018</a:t>
+              <a:t>26/11/2018</a:t>
             </a:fld>
             <a:endParaRPr lang="pt-BR"/>
           </a:p>
@@ -3048,7 +3049,7 @@
           <a:p>
             <a:fld id="{372EE6C8-D507-47FC-B932-52EEF7233B7C}" type="datetimeFigureOut">
               <a:rPr lang="pt-BR" smtClean="0"/>
-              <a:t>25/11/2018</a:t>
+              <a:t>26/11/2018</a:t>
             </a:fld>
             <a:endParaRPr lang="pt-BR"/>
           </a:p>
@@ -3289,7 +3290,7 @@
           <a:p>
             <a:fld id="{372EE6C8-D507-47FC-B932-52EEF7233B7C}" type="datetimeFigureOut">
               <a:rPr lang="pt-BR" smtClean="0"/>
-              <a:t>25/11/2018</a:t>
+              <a:t>26/11/2018</a:t>
             </a:fld>
             <a:endParaRPr lang="pt-BR"/>
           </a:p>
@@ -4674,6 +4675,36 @@
           </a:xfrm>
         </p:spPr>
       </p:pic>
+      <p:pic>
+        <p:nvPicPr>
+          <p:cNvPr id="3" name="Imagem 2">
+            <a:extLst>
+              <a:ext uri="{FF2B5EF4-FFF2-40B4-BE49-F238E27FC236}">
+                <a16:creationId xmlns:a16="http://schemas.microsoft.com/office/drawing/2014/main" id="{8CFC4B8F-E8F5-453C-AA07-5432C0CE4674}"/>
+              </a:ext>
+            </a:extLst>
+          </p:cNvPr>
+          <p:cNvPicPr>
+            <a:picLocks noChangeAspect="1"/>
+          </p:cNvPicPr>
+          <p:nvPr/>
+        </p:nvPicPr>
+        <p:blipFill>
+          <a:blip r:embed="rId3"/>
+          <a:stretch>
+            <a:fillRect/>
+          </a:stretch>
+        </p:blipFill>
+        <p:spPr>
+          <a:xfrm>
+            <a:off x="-5590414" y="2110154"/>
+            <a:ext cx="4092455" cy="4118926"/>
+          </a:xfrm>
+          <a:prstGeom prst="rect">
+            <a:avLst/>
+          </a:prstGeom>
+        </p:spPr>
+      </p:pic>
       <p:sp>
         <p:nvSpPr>
           <p:cNvPr id="6" name="CaixaDeTexto 5">
@@ -4713,10 +4744,10 @@
       </p:sp>
       <p:pic>
         <p:nvPicPr>
-          <p:cNvPr id="3" name="Imagem 2">
-            <a:extLst>
-              <a:ext uri="{FF2B5EF4-FFF2-40B4-BE49-F238E27FC236}">
-                <a16:creationId xmlns:a16="http://schemas.microsoft.com/office/drawing/2014/main" id="{8CFC4B8F-E8F5-453C-AA07-5432C0CE4674}"/>
+          <p:cNvPr id="4" name="Imagem 3">
+            <a:extLst>
+              <a:ext uri="{FF2B5EF4-FFF2-40B4-BE49-F238E27FC236}">
+                <a16:creationId xmlns:a16="http://schemas.microsoft.com/office/drawing/2014/main" id="{401F8F1D-19A9-4F55-B7B1-1B9881FBD88C}"/>
               </a:ext>
             </a:extLst>
           </p:cNvPr>
@@ -4726,15 +4757,15 @@
           <p:nvPr/>
         </p:nvPicPr>
         <p:blipFill>
-          <a:blip r:embed="rId3"/>
+          <a:blip r:embed="rId4"/>
           <a:stretch>
             <a:fillRect/>
           </a:stretch>
         </p:blipFill>
         <p:spPr>
           <a:xfrm>
-            <a:off x="-5590414" y="2110154"/>
-            <a:ext cx="4092455" cy="4118926"/>
+            <a:off x="-726831" y="6364605"/>
+            <a:ext cx="1793631" cy="874395"/>
           </a:xfrm>
           <a:prstGeom prst="rect">
             <a:avLst/>
@@ -4780,7 +4811,7 @@
                                     <p:cond delay="0"/>
                                   </p:stCondLst>
                                   <p:childTnLst>
-                                    <p:animMotion origin="layout" path="M 0.00235 0.01435 L 0.52735 0.02454 " pathEditMode="relative" rAng="0" ptsTypes="AA">
+                                    <p:animMotion origin="layout" path="M -0.00429 0.02315 L 0.49454 0.02107 " pathEditMode="relative" rAng="0" ptsTypes="AA">
                                       <p:cBhvr>
                                         <p:cTn id="6" dur="3750" fill="hold"/>
                                         <p:tgtEl>
@@ -4791,7 +4822,7 @@
                                           <p:attrName>ppt_y</p:attrName>
                                         </p:attrNameLst>
                                       </p:cBhvr>
-                                      <p:rCtr x="26250" y="509"/>
+                                      <p:rCtr x="24948" y="-116"/>
                                     </p:animMotion>
                                   </p:childTnLst>
                                 </p:cTn>
@@ -5473,7 +5504,7 @@
         </p:blipFill>
         <p:spPr>
           <a:xfrm>
-            <a:off x="0" y="504075"/>
+            <a:off x="10641" y="502736"/>
             <a:ext cx="12192000" cy="6586673"/>
           </a:xfrm>
           <a:prstGeom prst="rect">
@@ -5483,10 +5514,10 @@
       </p:pic>
       <p:pic>
         <p:nvPicPr>
-          <p:cNvPr id="7" name="Imagem 6">
-            <a:extLst>
-              <a:ext uri="{FF2B5EF4-FFF2-40B4-BE49-F238E27FC236}">
-                <a16:creationId xmlns:a16="http://schemas.microsoft.com/office/drawing/2014/main" id="{CE17EE56-A013-44E1-AEA3-99D4E890DA08}"/>
+          <p:cNvPr id="3" name="Imagem 2">
+            <a:extLst>
+              <a:ext uri="{FF2B5EF4-FFF2-40B4-BE49-F238E27FC236}">
+                <a16:creationId xmlns:a16="http://schemas.microsoft.com/office/drawing/2014/main" id="{86C86FF6-0C71-43C1-A0E1-C1999B29D201}"/>
               </a:ext>
             </a:extLst>
           </p:cNvPr>
@@ -5496,51 +5527,15 @@
           <p:nvPr/>
         </p:nvPicPr>
         <p:blipFill>
-          <a:blip r:embed="rId3">
-            <a:extLst>
-              <a:ext uri="{28A0092B-C50C-407E-A947-70E740481C1C}">
-                <a14:useLocalDpi xmlns:a14="http://schemas.microsoft.com/office/drawing/2010/main" val="0"/>
-              </a:ext>
-            </a:extLst>
-          </a:blip>
+          <a:blip r:embed="rId3"/>
           <a:stretch>
             <a:fillRect/>
           </a:stretch>
         </p:blipFill>
         <p:spPr>
           <a:xfrm>
-            <a:off x="2838487" y="-17171"/>
-            <a:ext cx="7418033" cy="6791153"/>
-          </a:xfrm>
-          <a:prstGeom prst="rect">
-            <a:avLst/>
-          </a:prstGeom>
-        </p:spPr>
-      </p:pic>
-      <p:pic>
-        <p:nvPicPr>
-          <p:cNvPr id="3" name="Imagem 2">
-            <a:extLst>
-              <a:ext uri="{FF2B5EF4-FFF2-40B4-BE49-F238E27FC236}">
-                <a16:creationId xmlns:a16="http://schemas.microsoft.com/office/drawing/2014/main" id="{86C86FF6-0C71-43C1-A0E1-C1999B29D201}"/>
-              </a:ext>
-            </a:extLst>
-          </p:cNvPr>
-          <p:cNvPicPr>
-            <a:picLocks noChangeAspect="1"/>
-          </p:cNvPicPr>
-          <p:nvPr/>
-        </p:nvPicPr>
-        <p:blipFill>
-          <a:blip r:embed="rId4"/>
-          <a:stretch>
-            <a:fillRect/>
-          </a:stretch>
-        </p:blipFill>
-        <p:spPr>
-          <a:xfrm>
-            <a:off x="-3893887" y="-23446"/>
-            <a:ext cx="2476567" cy="6250680"/>
+            <a:off x="-3893887" y="1040744"/>
+            <a:ext cx="2054927" cy="5186490"/>
           </a:xfrm>
           <a:prstGeom prst="rect">
             <a:avLst/>
@@ -5562,7 +5557,7 @@
           <p:nvPr/>
         </p:nvPicPr>
         <p:blipFill>
-          <a:blip r:embed="rId5">
+          <a:blip r:embed="rId4">
             <a:extLst>
               <a:ext uri="{28A0092B-C50C-407E-A947-70E740481C1C}">
                 <a14:useLocalDpi xmlns:a14="http://schemas.microsoft.com/office/drawing/2010/main" val="0"/>
@@ -5598,7 +5593,7 @@
           <p:nvPr/>
         </p:nvPicPr>
         <p:blipFill>
-          <a:blip r:embed="rId5">
+          <a:blip r:embed="rId4">
             <a:extLst>
               <a:ext uri="{28A0092B-C50C-407E-A947-70E740481C1C}">
                 <a14:useLocalDpi xmlns:a14="http://schemas.microsoft.com/office/drawing/2010/main" val="0"/>
@@ -5634,7 +5629,7 @@
           <p:nvPr/>
         </p:nvPicPr>
         <p:blipFill>
-          <a:blip r:embed="rId5">
+          <a:blip r:embed="rId4">
             <a:extLst>
               <a:ext uri="{28A0092B-C50C-407E-A947-70E740481C1C}">
                 <a14:useLocalDpi xmlns:a14="http://schemas.microsoft.com/office/drawing/2010/main" val="0"/>
@@ -5649,6 +5644,78 @@
           <a:xfrm rot="1128141">
             <a:off x="13263190" y="3040670"/>
             <a:ext cx="788490" cy="788490"/>
+          </a:xfrm>
+          <a:prstGeom prst="rect">
+            <a:avLst/>
+          </a:prstGeom>
+        </p:spPr>
+      </p:pic>
+      <p:pic>
+        <p:nvPicPr>
+          <p:cNvPr id="4" name="Imagem 3">
+            <a:extLst>
+              <a:ext uri="{FF2B5EF4-FFF2-40B4-BE49-F238E27FC236}">
+                <a16:creationId xmlns:a16="http://schemas.microsoft.com/office/drawing/2014/main" id="{F808874B-9EBF-456B-8379-2BB2A65421D5}"/>
+              </a:ext>
+            </a:extLst>
+          </p:cNvPr>
+          <p:cNvPicPr>
+            <a:picLocks noChangeAspect="1"/>
+          </p:cNvPicPr>
+          <p:nvPr/>
+        </p:nvPicPr>
+        <p:blipFill>
+          <a:blip r:embed="rId5">
+            <a:extLst>
+              <a:ext uri="{28A0092B-C50C-407E-A947-70E740481C1C}">
+                <a14:useLocalDpi xmlns:a14="http://schemas.microsoft.com/office/drawing/2010/main" val="0"/>
+              </a:ext>
+            </a:extLst>
+          </a:blip>
+          <a:stretch>
+            <a:fillRect/>
+          </a:stretch>
+        </p:blipFill>
+        <p:spPr>
+          <a:xfrm>
+            <a:off x="1801427" y="0"/>
+            <a:ext cx="8080160" cy="6451600"/>
+          </a:xfrm>
+          <a:prstGeom prst="rect">
+            <a:avLst/>
+          </a:prstGeom>
+        </p:spPr>
+      </p:pic>
+      <p:pic>
+        <p:nvPicPr>
+          <p:cNvPr id="10" name="Imagem 9">
+            <a:extLst>
+              <a:ext uri="{FF2B5EF4-FFF2-40B4-BE49-F238E27FC236}">
+                <a16:creationId xmlns:a16="http://schemas.microsoft.com/office/drawing/2014/main" id="{320E3A54-CCAA-41DD-BA2F-CC8FDB00BD2B}"/>
+              </a:ext>
+            </a:extLst>
+          </p:cNvPr>
+          <p:cNvPicPr>
+            <a:picLocks noChangeAspect="1"/>
+          </p:cNvPicPr>
+          <p:nvPr/>
+        </p:nvPicPr>
+        <p:blipFill>
+          <a:blip r:embed="rId6">
+            <a:extLst>
+              <a:ext uri="{28A0092B-C50C-407E-A947-70E740481C1C}">
+                <a14:useLocalDpi xmlns:a14="http://schemas.microsoft.com/office/drawing/2010/main" val="0"/>
+              </a:ext>
+            </a:extLst>
+          </a:blip>
+          <a:stretch>
+            <a:fillRect/>
+          </a:stretch>
+        </p:blipFill>
+        <p:spPr>
+          <a:xfrm>
+            <a:off x="10116820" y="4311015"/>
+            <a:ext cx="2095500" cy="2181225"/>
           </a:xfrm>
           <a:prstGeom prst="rect">
             <a:avLst/>
@@ -5694,7 +5761,7 @@
                                     <p:cond delay="0"/>
                                   </p:stCondLst>
                                   <p:childTnLst>
-                                    <p:animMotion origin="layout" path="M -1.45833E-6 0.00695 L 0.33529 0.03913 " pathEditMode="relative" rAng="0" ptsTypes="AA">
+                                    <p:animMotion origin="layout" path="M -0.00364 0.04329 L 0.3306 0.03843 " pathEditMode="relative" rAng="0" ptsTypes="AA">
                                       <p:cBhvr>
                                         <p:cTn id="6" dur="2000" fill="hold"/>
                                         <p:tgtEl>
@@ -5705,7 +5772,7 @@
                                           <p:attrName>ppt_y</p:attrName>
                                         </p:attrNameLst>
                                       </p:cBhvr>
-                                      <p:rCtr x="16771" y="1597"/>
+                                      <p:rCtr x="16719" y="-255"/>
                                     </p:animMotion>
                                   </p:childTnLst>
                                 </p:cTn>
@@ -7876,6 +7943,560 @@
 </p:sld>
 </file>
 
+<file path=ppt/slides/slide18.xml><?xml version="1.0" encoding="utf-8"?>
+<p:sld xmlns:a="http://schemas.openxmlformats.org/drawingml/2006/main" xmlns:r="http://schemas.openxmlformats.org/officeDocument/2006/relationships" xmlns:p="http://schemas.openxmlformats.org/presentationml/2006/main">
+  <p:cSld>
+    <p:bg>
+      <p:bgPr>
+        <a:solidFill>
+          <a:schemeClr val="bg1"/>
+        </a:solidFill>
+        <a:effectLst/>
+      </p:bgPr>
+    </p:bg>
+    <p:spTree>
+      <p:nvGrpSpPr>
+        <p:cNvPr id="1" name=""/>
+        <p:cNvGrpSpPr/>
+        <p:nvPr/>
+      </p:nvGrpSpPr>
+      <p:grpSpPr>
+        <a:xfrm>
+          <a:off x="0" y="0"/>
+          <a:ext cx="0" cy="0"/>
+          <a:chOff x="0" y="0"/>
+          <a:chExt cx="0" cy="0"/>
+        </a:xfrm>
+      </p:grpSpPr>
+      <p:sp>
+        <p:nvSpPr>
+          <p:cNvPr id="2" name="Título 1">
+            <a:extLst>
+              <a:ext uri="{FF2B5EF4-FFF2-40B4-BE49-F238E27FC236}">
+                <a16:creationId xmlns:a16="http://schemas.microsoft.com/office/drawing/2014/main" id="{04A5B355-82EA-47B4-994A-E60C4C9B454C}"/>
+              </a:ext>
+            </a:extLst>
+          </p:cNvPr>
+          <p:cNvSpPr>
+            <a:spLocks noGrp="1"/>
+          </p:cNvSpPr>
+          <p:nvPr>
+            <p:ph type="title"/>
+          </p:nvPr>
+        </p:nvSpPr>
+        <p:spPr>
+          <a:xfrm>
+            <a:off x="10952448" y="1477487"/>
+            <a:ext cx="9895872" cy="3903026"/>
+          </a:xfrm>
+          <a:prstGeom prst="ellipse">
+            <a:avLst/>
+          </a:prstGeom>
+        </p:spPr>
+        <p:txBody>
+          <a:bodyPr vert="horz" lIns="91440" tIns="45720" rIns="91440" bIns="45720" rtlCol="0" anchor="t">
+            <a:normAutofit/>
+          </a:bodyPr>
+          <a:lstStyle/>
+          <a:p>
+            <a:pPr algn="ctr"/>
+            <a:r>
+              <a:rPr lang="en-US" sz="5400" dirty="0">
+                <a:solidFill>
+                  <a:srgbClr val="FFC000"/>
+                </a:solidFill>
+                <a:latin typeface="Trajan Pro" panose="02020502050506020301" pitchFamily="18" charset="0"/>
+              </a:rPr>
+              <a:t>Que a </a:t>
+            </a:r>
+            <a:r>
+              <a:rPr lang="en-US" sz="5400" dirty="0" err="1">
+                <a:solidFill>
+                  <a:srgbClr val="FFC000"/>
+                </a:solidFill>
+                <a:latin typeface="Trajan Pro" panose="02020502050506020301" pitchFamily="18" charset="0"/>
+              </a:rPr>
+              <a:t>força</a:t>
+            </a:r>
+            <a:r>
+              <a:rPr lang="en-US" sz="5400" dirty="0">
+                <a:solidFill>
+                  <a:srgbClr val="FFC000"/>
+                </a:solidFill>
+                <a:latin typeface="Trajan Pro" panose="02020502050506020301" pitchFamily="18" charset="0"/>
+              </a:rPr>
+              <a:t> </a:t>
+            </a:r>
+            <a:r>
+              <a:rPr lang="en-US" sz="5400" dirty="0" err="1">
+                <a:solidFill>
+                  <a:srgbClr val="FFC000"/>
+                </a:solidFill>
+                <a:latin typeface="Trajan Pro" panose="02020502050506020301" pitchFamily="18" charset="0"/>
+              </a:rPr>
+              <a:t>esteja</a:t>
+            </a:r>
+            <a:r>
+              <a:rPr lang="en-US" sz="5400" dirty="0">
+                <a:solidFill>
+                  <a:srgbClr val="FFC000"/>
+                </a:solidFill>
+                <a:latin typeface="Trajan Pro" panose="02020502050506020301" pitchFamily="18" charset="0"/>
+              </a:rPr>
+              <a:t> com </a:t>
+            </a:r>
+            <a:r>
+              <a:rPr lang="en-US" sz="5400" dirty="0" err="1">
+                <a:solidFill>
+                  <a:srgbClr val="FFC000"/>
+                </a:solidFill>
+                <a:latin typeface="Trajan Pro" panose="02020502050506020301" pitchFamily="18" charset="0"/>
+              </a:rPr>
+              <a:t>você</a:t>
+            </a:r>
+            <a:endParaRPr lang="en-US" sz="5400" dirty="0">
+              <a:solidFill>
+                <a:srgbClr val="FFC000"/>
+              </a:solidFill>
+              <a:latin typeface="Trajan Pro" panose="02020502050506020301" pitchFamily="18" charset="0"/>
+            </a:endParaRPr>
+          </a:p>
+        </p:txBody>
+      </p:sp>
+      <p:sp>
+        <p:nvSpPr>
+          <p:cNvPr id="24" name="Freeform: Shape 23">
+            <a:extLst>
+              <a:ext uri="{FF2B5EF4-FFF2-40B4-BE49-F238E27FC236}">
+                <a16:creationId xmlns:a16="http://schemas.microsoft.com/office/drawing/2014/main" id="{2C6334C2-F73F-4B3B-A626-DD5F69DF6ED0}"/>
+              </a:ext>
+              <a:ext uri="{C183D7F6-B498-43B3-948B-1728B52AA6E4}">
+                <adec:decorative xmlns:adec="http://schemas.microsoft.com/office/drawing/2017/decorative" val="1"/>
+              </a:ext>
+            </a:extLst>
+          </p:cNvPr>
+          <p:cNvSpPr>
+            <a:spLocks noGrp="1" noRot="1" noChangeAspect="1" noMove="1" noResize="1" noEditPoints="1" noAdjustHandles="1" noChangeArrowheads="1" noChangeShapeType="1" noTextEdit="1"/>
+          </p:cNvSpPr>
+          <p:nvPr>
+            <p:extLst>
+              <p:ext uri="{386F3935-93C4-4BCD-93E2-E3B085C9AB24}">
+                <p16:designElem xmlns:p16="http://schemas.microsoft.com/office/powerpoint/2015/main" val="1"/>
+              </p:ext>
+            </p:extLst>
+          </p:nvPr>
+        </p:nvSpPr>
+        <p:spPr>
+          <a:xfrm flipV="1">
+            <a:off x="0" y="0"/>
+            <a:ext cx="5389868" cy="6374535"/>
+          </a:xfrm>
+          <a:custGeom>
+            <a:avLst/>
+            <a:gdLst>
+              <a:gd name="connsiteX0" fmla="*/ 620377 w 5389868"/>
+              <a:gd name="connsiteY0" fmla="*/ 6374535 h 6374535"/>
+              <a:gd name="connsiteX1" fmla="*/ 3459520 w 5389868"/>
+              <a:gd name="connsiteY1" fmla="*/ 6374535 h 6374535"/>
+              <a:gd name="connsiteX2" fmla="*/ 3638761 w 5389868"/>
+              <a:gd name="connsiteY2" fmla="*/ 6288190 h 6374535"/>
+              <a:gd name="connsiteX3" fmla="*/ 5389868 w 5389868"/>
+              <a:gd name="connsiteY3" fmla="*/ 3346018 h 6374535"/>
+              <a:gd name="connsiteX4" fmla="*/ 2043850 w 5389868"/>
+              <a:gd name="connsiteY4" fmla="*/ 0 h 6374535"/>
+              <a:gd name="connsiteX5" fmla="*/ 139826 w 5389868"/>
+              <a:gd name="connsiteY5" fmla="*/ 594192 h 6374535"/>
+              <a:gd name="connsiteX6" fmla="*/ 0 w 5389868"/>
+              <a:gd name="connsiteY6" fmla="*/ 700065 h 6374535"/>
+              <a:gd name="connsiteX7" fmla="*/ 0 w 5389868"/>
+              <a:gd name="connsiteY7" fmla="*/ 5991971 h 6374535"/>
+              <a:gd name="connsiteX8" fmla="*/ 139827 w 5389868"/>
+              <a:gd name="connsiteY8" fmla="*/ 6097845 h 6374535"/>
+              <a:gd name="connsiteX9" fmla="*/ 378347 w 5389868"/>
+              <a:gd name="connsiteY9" fmla="*/ 6248727 h 6374535"/>
+            </a:gdLst>
+            <a:ahLst/>
+            <a:cxnLst>
+              <a:cxn ang="0">
+                <a:pos x="connsiteX0" y="connsiteY0"/>
+              </a:cxn>
+              <a:cxn ang="0">
+                <a:pos x="connsiteX1" y="connsiteY1"/>
+              </a:cxn>
+              <a:cxn ang="0">
+                <a:pos x="connsiteX2" y="connsiteY2"/>
+              </a:cxn>
+              <a:cxn ang="0">
+                <a:pos x="connsiteX3" y="connsiteY3"/>
+              </a:cxn>
+              <a:cxn ang="0">
+                <a:pos x="connsiteX4" y="connsiteY4"/>
+              </a:cxn>
+              <a:cxn ang="0">
+                <a:pos x="connsiteX5" y="connsiteY5"/>
+              </a:cxn>
+              <a:cxn ang="0">
+                <a:pos x="connsiteX6" y="connsiteY6"/>
+              </a:cxn>
+              <a:cxn ang="0">
+                <a:pos x="connsiteX7" y="connsiteY7"/>
+              </a:cxn>
+              <a:cxn ang="0">
+                <a:pos x="connsiteX8" y="connsiteY8"/>
+              </a:cxn>
+              <a:cxn ang="0">
+                <a:pos x="connsiteX9" y="connsiteY9"/>
+              </a:cxn>
+            </a:cxnLst>
+            <a:rect l="l" t="t" r="r" b="b"/>
+            <a:pathLst>
+              <a:path w="5389868" h="6374535">
+                <a:moveTo>
+                  <a:pt x="620377" y="6374535"/>
+                </a:moveTo>
+                <a:lnTo>
+                  <a:pt x="3459520" y="6374535"/>
+                </a:lnTo>
+                <a:lnTo>
+                  <a:pt x="3638761" y="6288190"/>
+                </a:lnTo>
+                <a:cubicBezTo>
+                  <a:pt x="4681799" y="5721578"/>
+                  <a:pt x="5389868" y="4616487"/>
+                  <a:pt x="5389868" y="3346018"/>
+                </a:cubicBezTo>
+                <a:cubicBezTo>
+                  <a:pt x="5389868" y="1498063"/>
+                  <a:pt x="3891805" y="0"/>
+                  <a:pt x="2043850" y="0"/>
+                </a:cubicBezTo>
+                <a:cubicBezTo>
+                  <a:pt x="1336430" y="0"/>
+                  <a:pt x="680285" y="219535"/>
+                  <a:pt x="139826" y="594192"/>
+                </a:cubicBezTo>
+                <a:lnTo>
+                  <a:pt x="0" y="700065"/>
+                </a:lnTo>
+                <a:lnTo>
+                  <a:pt x="0" y="5991971"/>
+                </a:lnTo>
+                <a:lnTo>
+                  <a:pt x="139827" y="6097845"/>
+                </a:lnTo>
+                <a:cubicBezTo>
+                  <a:pt x="217035" y="6151367"/>
+                  <a:pt x="296605" y="6201724"/>
+                  <a:pt x="378347" y="6248727"/>
+                </a:cubicBezTo>
+                <a:close/>
+              </a:path>
+            </a:pathLst>
+          </a:custGeom>
+          <a:solidFill>
+            <a:srgbClr val="FFFFFF">
+              <a:alpha val="80000"/>
+            </a:srgbClr>
+          </a:solidFill>
+          <a:ln>
+            <a:noFill/>
+          </a:ln>
+        </p:spPr>
+        <p:style>
+          <a:lnRef idx="2">
+            <a:schemeClr val="accent1">
+              <a:shade val="50000"/>
+            </a:schemeClr>
+          </a:lnRef>
+          <a:fillRef idx="1">
+            <a:schemeClr val="accent1"/>
+          </a:fillRef>
+          <a:effectRef idx="0">
+            <a:schemeClr val="accent1"/>
+          </a:effectRef>
+          <a:fontRef idx="minor">
+            <a:schemeClr val="lt1"/>
+          </a:fontRef>
+        </p:style>
+        <p:txBody>
+          <a:bodyPr wrap="square" rtlCol="0" anchor="ctr">
+            <a:noAutofit/>
+          </a:bodyPr>
+          <a:lstStyle/>
+          <a:p>
+            <a:pPr marL="0" marR="0" lvl="0" indent="0" algn="ctr" defTabSz="914400" rtl="0" eaLnBrk="1" fontAlgn="auto" latinLnBrk="0" hangingPunct="1">
+              <a:lnSpc>
+                <a:spcPct val="100000"/>
+              </a:lnSpc>
+              <a:spcBef>
+                <a:spcPts val="0"/>
+              </a:spcBef>
+              <a:spcAft>
+                <a:spcPts val="0"/>
+              </a:spcAft>
+              <a:buClrTx/>
+              <a:buSzTx/>
+              <a:buFontTx/>
+              <a:buNone/>
+              <a:tabLst/>
+              <a:defRPr/>
+            </a:pPr>
+            <a:endParaRPr kumimoji="0" lang="en-US" sz="1800" b="0" i="0" u="none" strike="noStrike" kern="1200" cap="none" spc="0" normalizeH="0" baseline="0" noProof="0">
+              <a:ln>
+                <a:noFill/>
+              </a:ln>
+              <a:solidFill>
+                <a:prstClr val="white"/>
+              </a:solidFill>
+              <a:effectLst/>
+              <a:uLnTx/>
+              <a:uFillTx/>
+              <a:latin typeface="Calibri" panose="020F0502020204030204"/>
+              <a:ea typeface="+mn-ea"/>
+              <a:cs typeface="+mn-cs"/>
+            </a:endParaRPr>
+          </a:p>
+        </p:txBody>
+      </p:sp>
+      <p:pic>
+        <p:nvPicPr>
+          <p:cNvPr id="14" name="Imagem 13">
+            <a:extLst>
+              <a:ext uri="{FF2B5EF4-FFF2-40B4-BE49-F238E27FC236}">
+                <a16:creationId xmlns:a16="http://schemas.microsoft.com/office/drawing/2014/main" id="{43D2D697-9AB0-4DAA-830D-8C53B55CCE86}"/>
+              </a:ext>
+            </a:extLst>
+          </p:cNvPr>
+          <p:cNvPicPr>
+            <a:picLocks noChangeAspect="1"/>
+          </p:cNvPicPr>
+          <p:nvPr/>
+        </p:nvPicPr>
+        <p:blipFill rotWithShape="1">
+          <a:blip r:embed="rId2"/>
+          <a:srcRect l="7635" r="3" b="3"/>
+          <a:stretch/>
+        </p:blipFill>
+        <p:spPr>
+          <a:xfrm>
+            <a:off x="20" y="6964690"/>
+            <a:ext cx="5234499" cy="6210619"/>
+          </a:xfrm>
+          <a:custGeom>
+            <a:avLst/>
+            <a:gdLst>
+              <a:gd name="connsiteX0" fmla="*/ 1082595 w 5234519"/>
+              <a:gd name="connsiteY0" fmla="*/ 0 h 6210629"/>
+              <a:gd name="connsiteX1" fmla="*/ 3027450 w 5234519"/>
+              <a:gd name="connsiteY1" fmla="*/ 0 h 6210629"/>
+              <a:gd name="connsiteX2" fmla="*/ 3291029 w 5234519"/>
+              <a:gd name="connsiteY2" fmla="*/ 96471 h 6210629"/>
+              <a:gd name="connsiteX3" fmla="*/ 5234519 w 5234519"/>
+              <a:gd name="connsiteY3" fmla="*/ 3028517 h 6210629"/>
+              <a:gd name="connsiteX4" fmla="*/ 2052407 w 5234519"/>
+              <a:gd name="connsiteY4" fmla="*/ 6210629 h 6210629"/>
+              <a:gd name="connsiteX5" fmla="*/ 28288 w 5234519"/>
+              <a:gd name="connsiteY5" fmla="*/ 5483989 h 6210629"/>
+              <a:gd name="connsiteX6" fmla="*/ 0 w 5234519"/>
+              <a:gd name="connsiteY6" fmla="*/ 5458279 h 6210629"/>
+              <a:gd name="connsiteX7" fmla="*/ 0 w 5234519"/>
+              <a:gd name="connsiteY7" fmla="*/ 598754 h 6210629"/>
+              <a:gd name="connsiteX8" fmla="*/ 28288 w 5234519"/>
+              <a:gd name="connsiteY8" fmla="*/ 573044 h 6210629"/>
+              <a:gd name="connsiteX9" fmla="*/ 958290 w 5234519"/>
+              <a:gd name="connsiteY9" fmla="*/ 39494 h 6210629"/>
+            </a:gdLst>
+            <a:ahLst/>
+            <a:cxnLst>
+              <a:cxn ang="0">
+                <a:pos x="connsiteX0" y="connsiteY0"/>
+              </a:cxn>
+              <a:cxn ang="0">
+                <a:pos x="connsiteX1" y="connsiteY1"/>
+              </a:cxn>
+              <a:cxn ang="0">
+                <a:pos x="connsiteX2" y="connsiteY2"/>
+              </a:cxn>
+              <a:cxn ang="0">
+                <a:pos x="connsiteX3" y="connsiteY3"/>
+              </a:cxn>
+              <a:cxn ang="0">
+                <a:pos x="connsiteX4" y="connsiteY4"/>
+              </a:cxn>
+              <a:cxn ang="0">
+                <a:pos x="connsiteX5" y="connsiteY5"/>
+              </a:cxn>
+              <a:cxn ang="0">
+                <a:pos x="connsiteX6" y="connsiteY6"/>
+              </a:cxn>
+              <a:cxn ang="0">
+                <a:pos x="connsiteX7" y="connsiteY7"/>
+              </a:cxn>
+              <a:cxn ang="0">
+                <a:pos x="connsiteX8" y="connsiteY8"/>
+              </a:cxn>
+              <a:cxn ang="0">
+                <a:pos x="connsiteX9" y="connsiteY9"/>
+              </a:cxn>
+            </a:cxnLst>
+            <a:rect l="l" t="t" r="r" b="b"/>
+            <a:pathLst>
+              <a:path w="5234519" h="6210629">
+                <a:moveTo>
+                  <a:pt x="1082595" y="0"/>
+                </a:moveTo>
+                <a:lnTo>
+                  <a:pt x="3027450" y="0"/>
+                </a:lnTo>
+                <a:lnTo>
+                  <a:pt x="3291029" y="96471"/>
+                </a:lnTo>
+                <a:cubicBezTo>
+                  <a:pt x="4433137" y="579542"/>
+                  <a:pt x="5234519" y="1710443"/>
+                  <a:pt x="5234519" y="3028517"/>
+                </a:cubicBezTo>
+                <a:cubicBezTo>
+                  <a:pt x="5234519" y="4785949"/>
+                  <a:pt x="3809839" y="6210629"/>
+                  <a:pt x="2052407" y="6210629"/>
+                </a:cubicBezTo>
+                <a:cubicBezTo>
+                  <a:pt x="1283531" y="6210629"/>
+                  <a:pt x="578345" y="5937936"/>
+                  <a:pt x="28288" y="5483989"/>
+                </a:cubicBezTo>
+                <a:lnTo>
+                  <a:pt x="0" y="5458279"/>
+                </a:lnTo>
+                <a:lnTo>
+                  <a:pt x="0" y="598754"/>
+                </a:lnTo>
+                <a:lnTo>
+                  <a:pt x="28288" y="573044"/>
+                </a:lnTo>
+                <a:cubicBezTo>
+                  <a:pt x="303317" y="346070"/>
+                  <a:pt x="617127" y="164410"/>
+                  <a:pt x="958290" y="39494"/>
+                </a:cubicBezTo>
+                <a:close/>
+              </a:path>
+            </a:pathLst>
+          </a:custGeom>
+        </p:spPr>
+      </p:pic>
+    </p:spTree>
+    <p:extLst>
+      <p:ext uri="{BB962C8B-B14F-4D97-AF65-F5344CB8AC3E}">
+        <p14:creationId xmlns:p14="http://schemas.microsoft.com/office/powerpoint/2010/main" val="1309901697"/>
+      </p:ext>
+    </p:extLst>
+  </p:cSld>
+  <p:clrMapOvr>
+    <a:overrideClrMapping bg1="dk1" tx1="lt1" bg2="dk2" tx2="lt2" accent1="accent1" accent2="accent2" accent3="accent3" accent4="accent4" accent5="accent5" accent6="accent6" hlink="hlink" folHlink="folHlink"/>
+  </p:clrMapOvr>
+  <p:timing>
+    <p:tnLst>
+      <p:par>
+        <p:cTn id="1" dur="indefinite" restart="never" nodeType="tmRoot">
+          <p:childTnLst>
+            <p:seq concurrent="1" nextAc="seek">
+              <p:cTn id="2" dur="indefinite" nodeType="mainSeq">
+                <p:childTnLst>
+                  <p:par>
+                    <p:cTn id="3" fill="hold">
+                      <p:stCondLst>
+                        <p:cond delay="indefinite"/>
+                        <p:cond evt="onBegin" delay="0">
+                          <p:tn val="2"/>
+                        </p:cond>
+                      </p:stCondLst>
+                      <p:childTnLst>
+                        <p:par>
+                          <p:cTn id="4" fill="hold">
+                            <p:stCondLst>
+                              <p:cond delay="0"/>
+                            </p:stCondLst>
+                            <p:childTnLst>
+                              <p:par>
+                                <p:cTn id="5" presetID="42" presetClass="path" presetSubtype="0" accel="50000" decel="50000" fill="hold" nodeType="withEffect">
+                                  <p:stCondLst>
+                                    <p:cond delay="0"/>
+                                  </p:stCondLst>
+                                  <p:childTnLst>
+                                    <p:animMotion origin="layout" path="M -0.45208 -1.01273 L -0.00104 -1.01505 " pathEditMode="relative" rAng="0" ptsTypes="AA">
+                                      <p:cBhvr>
+                                        <p:cTn id="6" dur="4000" fill="hold"/>
+                                        <p:tgtEl>
+                                          <p:spTgt spid="14"/>
+                                        </p:tgtEl>
+                                        <p:attrNameLst>
+                                          <p:attrName>ppt_x</p:attrName>
+                                          <p:attrName>ppt_y</p:attrName>
+                                        </p:attrNameLst>
+                                      </p:cBhvr>
+                                      <p:rCtr x="22552" y="-116"/>
+                                    </p:animMotion>
+                                  </p:childTnLst>
+                                </p:cTn>
+                              </p:par>
+                              <p:par>
+                                <p:cTn id="7" presetID="42" presetClass="path" presetSubtype="0" accel="50000" decel="50000" fill="hold" grpId="0" nodeType="withEffect">
+                                  <p:stCondLst>
+                                    <p:cond delay="0"/>
+                                  </p:stCondLst>
+                                  <p:childTnLst>
+                                    <p:animMotion origin="layout" path="M 3.33333E-6 0 L -0.59545 0 " pathEditMode="relative" rAng="0" ptsTypes="AA">
+                                      <p:cBhvr>
+                                        <p:cTn id="8" dur="4000" fill="hold"/>
+                                        <p:tgtEl>
+                                          <p:spTgt spid="2"/>
+                                        </p:tgtEl>
+                                        <p:attrNameLst>
+                                          <p:attrName>ppt_x</p:attrName>
+                                          <p:attrName>ppt_y</p:attrName>
+                                        </p:attrNameLst>
+                                      </p:cBhvr>
+                                      <p:rCtr x="-29779" y="0"/>
+                                    </p:animMotion>
+                                  </p:childTnLst>
+                                </p:cTn>
+                              </p:par>
+                            </p:childTnLst>
+                          </p:cTn>
+                        </p:par>
+                      </p:childTnLst>
+                    </p:cTn>
+                  </p:par>
+                </p:childTnLst>
+              </p:cTn>
+              <p:prevCondLst>
+                <p:cond evt="onPrev" delay="0">
+                  <p:tgtEl>
+                    <p:sldTgt/>
+                  </p:tgtEl>
+                </p:cond>
+              </p:prevCondLst>
+              <p:nextCondLst>
+                <p:cond evt="onNext" delay="0">
+                  <p:tgtEl>
+                    <p:sldTgt/>
+                  </p:tgtEl>
+                </p:cond>
+              </p:nextCondLst>
+            </p:seq>
+          </p:childTnLst>
+        </p:cTn>
+      </p:par>
+    </p:tnLst>
+    <p:bldLst>
+      <p:bldP spid="2" grpId="0"/>
+    </p:bldLst>
+  </p:timing>
+</p:sld>
+</file>
+
 <file path=ppt/slides/slide2.xml><?xml version="1.0" encoding="utf-8"?>
 <p:sld xmlns:a="http://schemas.openxmlformats.org/drawingml/2006/main" xmlns:r="http://schemas.openxmlformats.org/officeDocument/2006/relationships" xmlns:p="http://schemas.openxmlformats.org/presentationml/2006/main">
   <p:cSld>
@@ -7918,59 +8539,39 @@
           </a:p>
         </p:txBody>
       </p:sp>
-      <p:sp>
-        <p:nvSpPr>
-          <p:cNvPr id="3" name="Espaço Reservado para Conteúdo 2">
-            <a:extLst>
-              <a:ext uri="{FF2B5EF4-FFF2-40B4-BE49-F238E27FC236}">
-                <a16:creationId xmlns:a16="http://schemas.microsoft.com/office/drawing/2014/main" id="{C84F0BCD-D2EC-414F-B24E-436A221FBAF6}"/>
-              </a:ext>
-            </a:extLst>
-          </p:cNvPr>
-          <p:cNvSpPr>
-            <a:spLocks noGrp="1"/>
-          </p:cNvSpPr>
+      <p:pic>
+        <p:nvPicPr>
+          <p:cNvPr id="7" name="Espaço Reservado para Conteúdo 6">
+            <a:extLst>
+              <a:ext uri="{FF2B5EF4-FFF2-40B4-BE49-F238E27FC236}">
+                <a16:creationId xmlns:a16="http://schemas.microsoft.com/office/drawing/2014/main" id="{878403BA-2989-437D-B616-AE23B30F8689}"/>
+              </a:ext>
+            </a:extLst>
+          </p:cNvPr>
+          <p:cNvPicPr>
+            <a:picLocks noGrp="1" noChangeAspect="1"/>
+          </p:cNvPicPr>
           <p:nvPr>
             <p:ph idx="1"/>
           </p:nvPr>
-        </p:nvSpPr>
-        <p:spPr/>
-        <p:txBody>
-          <a:bodyPr/>
-          <a:lstStyle/>
-          <a:p>
-            <a:endParaRPr lang="pt-BR"/>
-          </a:p>
-        </p:txBody>
-      </p:sp>
-      <p:pic>
-        <p:nvPicPr>
-          <p:cNvPr id="4" name="Imagem 3">
-            <a:extLst>
-              <a:ext uri="{FF2B5EF4-FFF2-40B4-BE49-F238E27FC236}">
-                <a16:creationId xmlns:a16="http://schemas.microsoft.com/office/drawing/2014/main" id="{6C5985A7-3791-40A8-9564-F25609987B8D}"/>
-              </a:ext>
-            </a:extLst>
-          </p:cNvPr>
-          <p:cNvPicPr>
-            <a:picLocks noChangeAspect="1"/>
-          </p:cNvPicPr>
-          <p:nvPr/>
         </p:nvPicPr>
         <p:blipFill>
-          <a:blip r:embed="rId2"/>
+          <a:blip r:embed="rId2">
+            <a:extLst>
+              <a:ext uri="{28A0092B-C50C-407E-A947-70E740481C1C}">
+                <a14:useLocalDpi xmlns:a14="http://schemas.microsoft.com/office/drawing/2010/main" val="0"/>
+              </a:ext>
+            </a:extLst>
+          </a:blip>
           <a:stretch>
             <a:fillRect/>
           </a:stretch>
         </p:blipFill>
         <p:spPr>
           <a:xfrm>
-            <a:off x="-99285" y="-297287"/>
-            <a:ext cx="13972444" cy="7452574"/>
+            <a:off x="-30480" y="-498265"/>
+            <a:ext cx="13121640" cy="7380923"/>
           </a:xfrm>
-          <a:prstGeom prst="rect">
-            <a:avLst/>
-          </a:prstGeom>
         </p:spPr>
       </p:pic>
       <p:sp>
@@ -7987,7 +8588,7 @@
         </p:nvSpPr>
         <p:spPr>
           <a:xfrm>
-            <a:off x="6096000" y="903926"/>
+            <a:off x="6530340" y="1914923"/>
             <a:ext cx="5158451" cy="2554545"/>
           </a:xfrm>
           <a:prstGeom prst="rect">
@@ -8004,21 +8605,19 @@
             <a:r>
               <a:rPr lang="pt-BR" sz="4000" dirty="0">
                 <a:solidFill>
-                  <a:schemeClr val="bg1">
-                    <a:lumMod val="95000"/>
-                  </a:schemeClr>
+                  <a:srgbClr val="EBDA06"/>
                 </a:solidFill>
                 <a:latin typeface="Trajan Pro" panose="02020502050506020301" pitchFamily="18" charset="0"/>
+                <a:ea typeface="STCaiyun" panose="020B0503020204020204" pitchFamily="2" charset="-122"/>
               </a:rPr>
               <a:t>Não muito tempo atrás, em uma galáxia não muito distante...</a:t>
             </a:r>
             <a:endParaRPr lang="pt-BR" sz="3200" dirty="0">
               <a:solidFill>
-                <a:schemeClr val="bg1">
-                  <a:lumMod val="95000"/>
-                </a:schemeClr>
+                <a:srgbClr val="EBDA06"/>
               </a:solidFill>
               <a:latin typeface="Trajan Pro" panose="02020502050506020301" pitchFamily="18" charset="0"/>
+              <a:ea typeface="STCaiyun" panose="020B0503020204020204" pitchFamily="2" charset="-122"/>
             </a:endParaRPr>
           </a:p>
         </p:txBody>
@@ -8936,7 +9535,7 @@
                             </p:stCondLst>
                             <p:childTnLst>
                               <p:par>
-                                <p:cTn id="5" presetID="22" presetClass="entr" presetSubtype="1" fill="hold" nodeType="withEffect">
+                                <p:cTn id="5" presetID="6" presetClass="entr" presetSubtype="16" fill="hold" nodeType="withEffect">
                                   <p:stCondLst>
                                     <p:cond delay="0"/>
                                   </p:stCondLst>
@@ -8959,7 +9558,7 @@
                                         <p:strVal val="visible"/>
                                       </p:to>
                                     </p:set>
-                                    <p:animEffect transition="in" filter="wipe(up)">
+                                    <p:animEffect transition="in" filter="circle(in)">
                                       <p:cBhvr>
                                         <p:cTn id="7" dur="2000"/>
                                         <p:tgtEl>
@@ -8971,7 +9570,7 @@
                                 </p:cTn>
                               </p:par>
                               <p:par>
-                                <p:cTn id="8" presetID="22" presetClass="entr" presetSubtype="1" fill="hold" grpId="0" nodeType="withEffect">
+                                <p:cTn id="8" presetID="6" presetClass="entr" presetSubtype="16" fill="hold" grpId="0" nodeType="withEffect">
                                   <p:stCondLst>
                                     <p:cond delay="0"/>
                                   </p:stCondLst>
@@ -8994,7 +9593,7 @@
                                         <p:strVal val="visible"/>
                                       </p:to>
                                     </p:set>
-                                    <p:animEffect transition="in" filter="wipe(up)">
+                                    <p:animEffect transition="in" filter="circle(in)">
                                       <p:cBhvr>
                                         <p:cTn id="10" dur="2000"/>
                                         <p:tgtEl>
@@ -9006,7 +9605,7 @@
                                 </p:cTn>
                               </p:par>
                               <p:par>
-                                <p:cTn id="11" presetID="22" presetClass="entr" presetSubtype="1" fill="hold" grpId="0" nodeType="withEffect">
+                                <p:cTn id="11" presetID="6" presetClass="entr" presetSubtype="16" fill="hold" grpId="0" nodeType="withEffect">
                                   <p:stCondLst>
                                     <p:cond delay="0"/>
                                   </p:stCondLst>
@@ -9029,7 +9628,7 @@
                                         <p:strVal val="visible"/>
                                       </p:to>
                                     </p:set>
-                                    <p:animEffect transition="in" filter="wipe(up)">
+                                    <p:animEffect transition="in" filter="circle(in)">
                                       <p:cBhvr>
                                         <p:cTn id="13" dur="2000"/>
                                         <p:tgtEl>

--- a/2º Semestre/Arquitetura e modelagem de dados/Projeto final/Slide.pptx
+++ b/2º Semestre/Arquitetura e modelagem de dados/Projeto final/Slide.pptx
@@ -226,7 +226,7 @@
           <a:p>
             <a:fld id="{42E64E69-AB36-4ED5-9FE5-0E304ABA64BE}" type="datetimeFigureOut">
               <a:rPr lang="pt-BR" smtClean="0"/>
-              <a:t>26/11/2018</a:t>
+              <a:t>30/11/2018</a:t>
             </a:fld>
             <a:endParaRPr lang="pt-BR"/>
           </a:p>
@@ -640,7 +640,7 @@
           <a:p>
             <a:fld id="{372EE6C8-D507-47FC-B932-52EEF7233B7C}" type="datetimeFigureOut">
               <a:rPr lang="pt-BR" smtClean="0"/>
-              <a:t>26/11/2018</a:t>
+              <a:t>30/11/2018</a:t>
             </a:fld>
             <a:endParaRPr lang="pt-BR"/>
           </a:p>
@@ -838,7 +838,7 @@
           <a:p>
             <a:fld id="{372EE6C8-D507-47FC-B932-52EEF7233B7C}" type="datetimeFigureOut">
               <a:rPr lang="pt-BR" smtClean="0"/>
-              <a:t>26/11/2018</a:t>
+              <a:t>30/11/2018</a:t>
             </a:fld>
             <a:endParaRPr lang="pt-BR"/>
           </a:p>
@@ -1046,7 +1046,7 @@
           <a:p>
             <a:fld id="{372EE6C8-D507-47FC-B932-52EEF7233B7C}" type="datetimeFigureOut">
               <a:rPr lang="pt-BR" smtClean="0"/>
-              <a:t>26/11/2018</a:t>
+              <a:t>30/11/2018</a:t>
             </a:fld>
             <a:endParaRPr lang="pt-BR"/>
           </a:p>
@@ -1244,7 +1244,7 @@
           <a:p>
             <a:fld id="{372EE6C8-D507-47FC-B932-52EEF7233B7C}" type="datetimeFigureOut">
               <a:rPr lang="pt-BR" smtClean="0"/>
-              <a:t>26/11/2018</a:t>
+              <a:t>30/11/2018</a:t>
             </a:fld>
             <a:endParaRPr lang="pt-BR"/>
           </a:p>
@@ -1519,7 +1519,7 @@
           <a:p>
             <a:fld id="{372EE6C8-D507-47FC-B932-52EEF7233B7C}" type="datetimeFigureOut">
               <a:rPr lang="pt-BR" smtClean="0"/>
-              <a:t>26/11/2018</a:t>
+              <a:t>30/11/2018</a:t>
             </a:fld>
             <a:endParaRPr lang="pt-BR"/>
           </a:p>
@@ -1784,7 +1784,7 @@
           <a:p>
             <a:fld id="{372EE6C8-D507-47FC-B932-52EEF7233B7C}" type="datetimeFigureOut">
               <a:rPr lang="pt-BR" smtClean="0"/>
-              <a:t>26/11/2018</a:t>
+              <a:t>30/11/2018</a:t>
             </a:fld>
             <a:endParaRPr lang="pt-BR"/>
           </a:p>
@@ -2196,7 +2196,7 @@
           <a:p>
             <a:fld id="{372EE6C8-D507-47FC-B932-52EEF7233B7C}" type="datetimeFigureOut">
               <a:rPr lang="pt-BR" smtClean="0"/>
-              <a:t>26/11/2018</a:t>
+              <a:t>30/11/2018</a:t>
             </a:fld>
             <a:endParaRPr lang="pt-BR"/>
           </a:p>
@@ -2337,7 +2337,7 @@
           <a:p>
             <a:fld id="{372EE6C8-D507-47FC-B932-52EEF7233B7C}" type="datetimeFigureOut">
               <a:rPr lang="pt-BR" smtClean="0"/>
-              <a:t>26/11/2018</a:t>
+              <a:t>30/11/2018</a:t>
             </a:fld>
             <a:endParaRPr lang="pt-BR"/>
           </a:p>
@@ -2450,7 +2450,7 @@
           <a:p>
             <a:fld id="{372EE6C8-D507-47FC-B932-52EEF7233B7C}" type="datetimeFigureOut">
               <a:rPr lang="pt-BR" smtClean="0"/>
-              <a:t>26/11/2018</a:t>
+              <a:t>30/11/2018</a:t>
             </a:fld>
             <a:endParaRPr lang="pt-BR"/>
           </a:p>
@@ -2761,7 +2761,7 @@
           <a:p>
             <a:fld id="{372EE6C8-D507-47FC-B932-52EEF7233B7C}" type="datetimeFigureOut">
               <a:rPr lang="pt-BR" smtClean="0"/>
-              <a:t>26/11/2018</a:t>
+              <a:t>30/11/2018</a:t>
             </a:fld>
             <a:endParaRPr lang="pt-BR"/>
           </a:p>
@@ -3049,7 +3049,7 @@
           <a:p>
             <a:fld id="{372EE6C8-D507-47FC-B932-52EEF7233B7C}" type="datetimeFigureOut">
               <a:rPr lang="pt-BR" smtClean="0"/>
-              <a:t>26/11/2018</a:t>
+              <a:t>30/11/2018</a:t>
             </a:fld>
             <a:endParaRPr lang="pt-BR"/>
           </a:p>
@@ -3290,7 +3290,7 @@
           <a:p>
             <a:fld id="{372EE6C8-D507-47FC-B932-52EEF7233B7C}" type="datetimeFigureOut">
               <a:rPr lang="pt-BR" smtClean="0"/>
-              <a:t>26/11/2018</a:t>
+              <a:t>30/11/2018</a:t>
             </a:fld>
             <a:endParaRPr lang="pt-BR"/>
           </a:p>
@@ -6385,7 +6385,7 @@
               <a:rPr lang="pt-BR" sz="1600" dirty="0">
                 <a:latin typeface="Trajan Pro" panose="02020502050506020301" pitchFamily="18" charset="0"/>
               </a:rPr>
-              <a:t>BIO_RAÇA, BIO_MORTE, BIO_MORTO_POR, BIO_NASCIMENTO, BIO_GENERO, BIO_COR_CABELO, BIO_COR_PELE, BIO_COR_OLHOS, BIO_FUNCACAO)</a:t>
+              <a:t>BIO_RAÇA, BIO_MORTE, BIO_MORTO_POR, BIO_NASCIMENTO, BIO_GENERO, BIO_COR_CABELO, BIO_COR_PELE, BIO_COR_OLHOS, BIO_FUNCAO)</a:t>
             </a:r>
           </a:p>
           <a:p>
@@ -6566,7 +6566,25 @@
               <a:rPr lang="pt-BR" sz="1600" dirty="0">
                 <a:latin typeface="Trajan Pro" panose="02020502050506020301" pitchFamily="18" charset="0"/>
               </a:rPr>
-              <a:t>,  VEI_CLASSE,  VEI_FABRICANTE,  VEI_TRIPULAÇÃO,  VEI_QTD_PASSAGEIRO,  VEI_FUNCACAO)</a:t>
+              <a:t>,  VEI_CLASSE,  VEI_FABRICANTE,  VEI_TRIPULAÇÃO,  VEI_QTD_PASSAGEIRO,  VEI</a:t>
+            </a:r>
+            <a:r>
+              <a:rPr lang="pt-BR" sz="1600">
+                <a:latin typeface="Trajan Pro" panose="02020502050506020301" pitchFamily="18" charset="0"/>
+              </a:rPr>
+              <a:t>_</a:t>
+            </a:r>
+            <a:r>
+              <a:rPr lang="pt-BR" sz="1600" u="sng">
+                <a:latin typeface="Trajan Pro" panose="02020502050506020301" pitchFamily="18" charset="0"/>
+              </a:rPr>
+              <a:t>FUNCAO</a:t>
+            </a:r>
+            <a:r>
+              <a:rPr lang="pt-BR" sz="1600" dirty="0">
+                <a:latin typeface="Trajan Pro" panose="02020502050506020301" pitchFamily="18" charset="0"/>
+              </a:rPr>
+              <a:t>)</a:t>
             </a:r>
           </a:p>
           <a:p>

--- a/2º Semestre/Arquitetura e modelagem de dados/Projeto final/Slide.pptx
+++ b/2º Semestre/Arquitetura e modelagem de dados/Projeto final/Slide.pptx
@@ -5226,8 +5226,8 @@
         </p:nvSpPr>
         <p:spPr>
           <a:xfrm>
-            <a:off x="1177114" y="1506992"/>
-            <a:ext cx="6740948" cy="1015663"/>
+            <a:off x="2109849" y="1493065"/>
+            <a:ext cx="4641795" cy="1015663"/>
           </a:xfrm>
           <a:prstGeom prst="rect">
             <a:avLst/>
@@ -5235,7 +5235,7 @@
           <a:noFill/>
         </p:spPr>
         <p:txBody>
-          <a:bodyPr wrap="none" rtlCol="0">
+          <a:bodyPr wrap="square" rtlCol="0">
             <a:spAutoFit/>
           </a:bodyPr>
           <a:lstStyle/>
@@ -5263,8 +5263,8 @@
         </p:nvSpPr>
         <p:spPr>
           <a:xfrm>
-            <a:off x="2922963" y="2676917"/>
-            <a:ext cx="3015569" cy="461665"/>
+            <a:off x="3261249" y="2662990"/>
+            <a:ext cx="2338993" cy="461665"/>
           </a:xfrm>
           <a:prstGeom prst="rect">
             <a:avLst/>
@@ -5272,7 +5272,7 @@
           <a:noFill/>
         </p:spPr>
         <p:txBody>
-          <a:bodyPr wrap="none" rtlCol="0">
+          <a:bodyPr wrap="square" rtlCol="0">
             <a:spAutoFit/>
           </a:bodyPr>
           <a:lstStyle/>
@@ -5989,8 +5989,48 @@
         </p:nvSpPr>
         <p:spPr>
           <a:xfrm>
-            <a:off x="1547439" y="3174914"/>
-            <a:ext cx="6385081" cy="1015663"/>
+            <a:off x="2145956" y="3174914"/>
+            <a:ext cx="5082058" cy="1015663"/>
+          </a:xfrm>
+          <a:prstGeom prst="rect">
+            <a:avLst/>
+          </a:prstGeom>
+          <a:noFill/>
+        </p:spPr>
+        <p:txBody>
+          <a:bodyPr wrap="square" rtlCol="0">
+            <a:spAutoFit/>
+          </a:bodyPr>
+          <a:lstStyle/>
+          <a:p>
+            <a:r>
+              <a:rPr lang="pt-BR" sz="6000" dirty="0">
+                <a:solidFill>
+                  <a:schemeClr val="bg1"/>
+                </a:solidFill>
+                <a:latin typeface="Trajan Pro" panose="02020502050506020301" pitchFamily="18" charset="0"/>
+              </a:rPr>
+              <a:t>E p i s o d e  IV</a:t>
+            </a:r>
+          </a:p>
+        </p:txBody>
+      </p:sp>
+      <p:sp>
+        <p:nvSpPr>
+          <p:cNvPr id="6" name="CaixaDeTexto 5">
+            <a:extLst>
+              <a:ext uri="{FF2B5EF4-FFF2-40B4-BE49-F238E27FC236}">
+                <a16:creationId xmlns:a16="http://schemas.microsoft.com/office/drawing/2014/main" id="{2F9DF35D-7445-475B-870D-6C84267F6138}"/>
+              </a:ext>
+            </a:extLst>
+          </p:cNvPr>
+          <p:cNvSpPr txBox="1"/>
+          <p:nvPr/>
+        </p:nvSpPr>
+        <p:spPr>
+          <a:xfrm>
+            <a:off x="3303248" y="4190577"/>
+            <a:ext cx="2792752" cy="461665"/>
           </a:xfrm>
           <a:prstGeom prst="rect">
             <a:avLst/>
@@ -6004,53 +6044,13 @@
           <a:lstStyle/>
           <a:p>
             <a:r>
-              <a:rPr lang="pt-BR" sz="6000" dirty="0">
-                <a:solidFill>
-                  <a:schemeClr val="bg1"/>
-                </a:solidFill>
-                <a:latin typeface="Trajan Pro" panose="02020502050506020301" pitchFamily="18" charset="0"/>
-              </a:rPr>
-              <a:t>E p i s o d e  IV</a:t>
-            </a:r>
-          </a:p>
-        </p:txBody>
-      </p:sp>
-      <p:sp>
-        <p:nvSpPr>
-          <p:cNvPr id="6" name="CaixaDeTexto 5">
-            <a:extLst>
-              <a:ext uri="{FF2B5EF4-FFF2-40B4-BE49-F238E27FC236}">
-                <a16:creationId xmlns:a16="http://schemas.microsoft.com/office/drawing/2014/main" id="{2F9DF35D-7445-475B-870D-6C84267F6138}"/>
-              </a:ext>
-            </a:extLst>
-          </p:cNvPr>
-          <p:cNvSpPr txBox="1"/>
-          <p:nvPr/>
-        </p:nvSpPr>
-        <p:spPr>
-          <a:xfrm>
-            <a:off x="2613655" y="4190577"/>
-            <a:ext cx="4015843" cy="461665"/>
-          </a:xfrm>
-          <a:prstGeom prst="rect">
-            <a:avLst/>
-          </a:prstGeom>
-          <a:noFill/>
-        </p:spPr>
-        <p:txBody>
-          <a:bodyPr wrap="none" rtlCol="0">
-            <a:spAutoFit/>
-          </a:bodyPr>
-          <a:lstStyle/>
-          <a:p>
-            <a:r>
               <a:rPr lang="pt-BR" sz="2400" dirty="0">
                 <a:solidFill>
                   <a:schemeClr val="bg1"/>
                 </a:solidFill>
                 <a:latin typeface="Trajan Pro" panose="02020502050506020301" pitchFamily="18" charset="0"/>
               </a:rPr>
-              <a:t>M o d e l o  l ó g i c o</a:t>
+              <a:t>M o d e l o   l ó g i c o</a:t>
             </a:r>
           </a:p>
         </p:txBody>
@@ -8841,8 +8841,8 @@
         </p:nvSpPr>
         <p:spPr>
           <a:xfrm>
-            <a:off x="3188794" y="1305179"/>
-            <a:ext cx="5814412" cy="1015663"/>
+            <a:off x="3854073" y="1313491"/>
+            <a:ext cx="4483853" cy="1015663"/>
           </a:xfrm>
           <a:prstGeom prst="rect">
             <a:avLst/>
@@ -8850,7 +8850,7 @@
           <a:noFill/>
         </p:spPr>
         <p:txBody>
-          <a:bodyPr wrap="none" rtlCol="0">
+          <a:bodyPr wrap="square" rtlCol="0">
             <a:spAutoFit/>
           </a:bodyPr>
           <a:lstStyle/>
@@ -8878,8 +8878,8 @@
         </p:nvSpPr>
         <p:spPr>
           <a:xfrm>
-            <a:off x="4474632" y="2472964"/>
-            <a:ext cx="2618024" cy="461665"/>
+            <a:off x="5095507" y="2489590"/>
+            <a:ext cx="2000983" cy="461665"/>
           </a:xfrm>
           <a:prstGeom prst="rect">
             <a:avLst/>
@@ -8887,7 +8887,7 @@
           <a:noFill/>
         </p:spPr>
         <p:txBody>
-          <a:bodyPr wrap="none" rtlCol="0">
+          <a:bodyPr wrap="square" rtlCol="0">
             <a:spAutoFit/>
           </a:bodyPr>
           <a:lstStyle/>
@@ -9459,8 +9459,8 @@
         </p:nvSpPr>
         <p:spPr>
           <a:xfrm>
-            <a:off x="3319928" y="1325153"/>
-            <a:ext cx="6152646" cy="1015663"/>
+            <a:off x="4118623" y="1291902"/>
+            <a:ext cx="4555253" cy="1015663"/>
           </a:xfrm>
           <a:prstGeom prst="rect">
             <a:avLst/>
@@ -9468,7 +9468,7 @@
           <a:noFill/>
         </p:spPr>
         <p:txBody>
-          <a:bodyPr wrap="none" rtlCol="0">
+          <a:bodyPr wrap="square" rtlCol="0">
             <a:spAutoFit/>
           </a:bodyPr>
           <a:lstStyle/>
@@ -9496,8 +9496,8 @@
         </p:nvSpPr>
         <p:spPr>
           <a:xfrm>
-            <a:off x="4917320" y="2429304"/>
-            <a:ext cx="2957861" cy="461665"/>
+            <a:off x="5243029" y="2437617"/>
+            <a:ext cx="2306440" cy="461665"/>
           </a:xfrm>
           <a:prstGeom prst="rect">
             <a:avLst/>
@@ -9505,7 +9505,7 @@
           <a:noFill/>
         </p:spPr>
         <p:txBody>
-          <a:bodyPr wrap="none" rtlCol="0">
+          <a:bodyPr wrap="square" rtlCol="0">
             <a:spAutoFit/>
           </a:bodyPr>
           <a:lstStyle/>

--- a/2º Semestre/Arquitetura e modelagem de dados/Projeto final/Slide.pptx
+++ b/2º Semestre/Arquitetura e modelagem de dados/Projeto final/Slide.pptx
@@ -4421,7 +4421,7 @@
         <p:spPr>
           <a:xfrm>
             <a:off x="978627" y="507504"/>
-            <a:ext cx="10649494" cy="2246769"/>
+            <a:ext cx="10649494" cy="1815882"/>
           </a:xfrm>
           <a:prstGeom prst="rect">
             <a:avLst/>
@@ -4436,7 +4436,7 @@
           <a:p>
             <a:r>
               <a:rPr lang="pt-BR" sz="2800" dirty="0">
-                <a:latin typeface="Trajan Pro" panose="02020502050506020301" pitchFamily="18" charset="0"/>
+                <a:latin typeface="Josefin Sans" panose="00000500000000000000" pitchFamily="2" charset="0"/>
               </a:rPr>
               <a:t>A franquia é conhecida pelo seu universo futurista, possuindo veículos e armas de alta tecnologia. Um veículo possui modelo, quantidade de passageiros, função, fabricante, tripulação e classe. </a:t>
             </a:r>
@@ -4719,8 +4719,8 @@
         </p:nvSpPr>
         <p:spPr>
           <a:xfrm>
-            <a:off x="4785612" y="89807"/>
-            <a:ext cx="7551174" cy="6124754"/>
+            <a:off x="4820118" y="564260"/>
+            <a:ext cx="7551174" cy="4832092"/>
           </a:xfrm>
           <a:prstGeom prst="rect">
             <a:avLst/>
@@ -4735,7 +4735,7 @@
           <a:p>
             <a:r>
               <a:rPr lang="pt-BR" sz="2800" dirty="0">
-                <a:latin typeface="Trajan Pro" panose="02020502050506020301" pitchFamily="18" charset="0"/>
+                <a:latin typeface="Josefin Sans" panose="00000500000000000000" pitchFamily="2" charset="0"/>
               </a:rPr>
               <a:t>Por haver constantes batalhas, veículos, personagens e robôs podem conter armas. Uma arma possui um nome, que deve ser único, um fabricante, criador, cor, tamanho, capacidade, peso e alcance. Uma arma de um mesmo tipo pode conter várias formas. Existem diversos tipos de armas, que são divididas em dois subtipos: laser e branca. Armas a laser possuem um tipo. Armas brancas são construídas por diversos materiais identificados por um nome.</a:t>
             </a:r>
@@ -4988,7 +4988,7 @@
         <p:spPr>
           <a:xfrm>
             <a:off x="1493520" y="1336119"/>
-            <a:ext cx="7513319" cy="2523768"/>
+            <a:ext cx="7513319" cy="2092881"/>
           </a:xfrm>
           <a:prstGeom prst="rect">
             <a:avLst/>
@@ -5003,13 +5003,15 @@
           <a:p>
             <a:r>
               <a:rPr lang="pt-BR" sz="2800" dirty="0">
-                <a:latin typeface="Trajan Pro" panose="02020502050506020301" pitchFamily="18" charset="0"/>
+                <a:latin typeface="Josefin Sans" panose="00000500000000000000" pitchFamily="2" charset="0"/>
               </a:rPr>
               <a:t>No universo da saga existem diversas afiliações, que possuem um nome. Personagens, planetas, veículos e armas podem fazer parte de várias delas.</a:t>
             </a:r>
           </a:p>
           <a:p>
-            <a:endParaRPr lang="pt-BR" dirty="0"/>
+            <a:endParaRPr lang="pt-BR" dirty="0">
+              <a:latin typeface="Josefin Sans" panose="00000500000000000000" pitchFamily="2" charset="0"/>
+            </a:endParaRPr>
           </a:p>
         </p:txBody>
       </p:sp>
@@ -5226,8 +5228,8 @@
         </p:nvSpPr>
         <p:spPr>
           <a:xfrm>
-            <a:off x="2109849" y="1493065"/>
-            <a:ext cx="4641795" cy="1015663"/>
+            <a:off x="1220616" y="1504001"/>
+            <a:ext cx="6774092" cy="1015663"/>
           </a:xfrm>
           <a:prstGeom prst="rect">
             <a:avLst/>
@@ -5263,8 +5265,8 @@
         </p:nvSpPr>
         <p:spPr>
           <a:xfrm>
-            <a:off x="3261249" y="2662990"/>
-            <a:ext cx="2338993" cy="461665"/>
+            <a:off x="3033692" y="2673926"/>
+            <a:ext cx="3147940" cy="461665"/>
           </a:xfrm>
           <a:prstGeom prst="rect">
             <a:avLst/>
@@ -5989,8 +5991,8 @@
         </p:nvSpPr>
         <p:spPr>
           <a:xfrm>
-            <a:off x="2145956" y="3174914"/>
-            <a:ext cx="5082058" cy="1015663"/>
+            <a:off x="1498411" y="3174914"/>
+            <a:ext cx="6402426" cy="1015663"/>
           </a:xfrm>
           <a:prstGeom prst="rect">
             <a:avLst/>
@@ -6029,8 +6031,8 @@
         </p:nvSpPr>
         <p:spPr>
           <a:xfrm>
-            <a:off x="3303248" y="4190577"/>
-            <a:ext cx="2792752" cy="461665"/>
+            <a:off x="2576202" y="4282856"/>
+            <a:ext cx="4246844" cy="461665"/>
           </a:xfrm>
           <a:prstGeom prst="rect">
             <a:avLst/>
@@ -6038,7 +6040,7 @@
           <a:noFill/>
         </p:spPr>
         <p:txBody>
-          <a:bodyPr wrap="none" rtlCol="0">
+          <a:bodyPr wrap="square" rtlCol="0">
             <a:spAutoFit/>
           </a:bodyPr>
           <a:lstStyle/>
@@ -6566,16 +6568,10 @@
               <a:rPr lang="pt-BR" sz="1600" dirty="0">
                 <a:latin typeface="Trajan Pro" panose="02020502050506020301" pitchFamily="18" charset="0"/>
               </a:rPr>
-              <a:t>,  VEI_CLASSE,  VEI_FABRICANTE,  VEI_TRIPULAÇÃO,  VEI_QTD_PASSAGEIRO,  VEI</a:t>
-            </a:r>
-            <a:r>
-              <a:rPr lang="pt-BR" sz="1600">
-                <a:latin typeface="Trajan Pro" panose="02020502050506020301" pitchFamily="18" charset="0"/>
-              </a:rPr>
-              <a:t>_</a:t>
-            </a:r>
-            <a:r>
-              <a:rPr lang="pt-BR" sz="1600" u="sng">
+              <a:t>,  VEI_CLASSE,  VEI_FABRICANTE,  VEI_TRIPULAÇÃO,  VEI_QTD_PASSAGEIRO,  VEI_</a:t>
+            </a:r>
+            <a:r>
+              <a:rPr lang="pt-BR" sz="1600" u="sng" dirty="0">
                 <a:latin typeface="Trajan Pro" panose="02020502050506020301" pitchFamily="18" charset="0"/>
               </a:rPr>
               <a:t>FUNCAO</a:t>
@@ -8005,7 +8001,7 @@
         <p:spPr>
           <a:xfrm>
             <a:off x="10952448" y="1477487"/>
-            <a:ext cx="9895872" cy="3903026"/>
+            <a:ext cx="8189991" cy="3903026"/>
           </a:xfrm>
           <a:prstGeom prst="ellipse">
             <a:avLst/>
@@ -8465,7 +8461,7 @@
                                     <p:cond delay="0"/>
                                   </p:stCondLst>
                                   <p:childTnLst>
-                                    <p:animMotion origin="layout" path="M 3.33333E-6 0 L -0.59545 0 " pathEditMode="relative" rAng="0" ptsTypes="AA">
+                                    <p:animMotion origin="layout" path="M 0.03438 0 L -0.56106 0 " pathEditMode="relative" rAng="0" ptsTypes="AA">
                                       <p:cBhvr>
                                         <p:cTn id="8" dur="4000" fill="hold"/>
                                         <p:tgtEl>
@@ -8587,7 +8583,7 @@
         </p:blipFill>
         <p:spPr>
           <a:xfrm>
-            <a:off x="-30480" y="-498265"/>
+            <a:off x="-142623" y="-522923"/>
             <a:ext cx="13121640" cy="7380923"/>
           </a:xfrm>
         </p:spPr>
@@ -8606,8 +8602,8 @@
         </p:nvSpPr>
         <p:spPr>
           <a:xfrm>
-            <a:off x="6530340" y="1914923"/>
-            <a:ext cx="5158451" cy="2554545"/>
+            <a:off x="6530341" y="1914923"/>
+            <a:ext cx="4823460" cy="2554545"/>
           </a:xfrm>
           <a:prstGeom prst="rect">
             <a:avLst/>
@@ -8625,7 +8621,7 @@
                 <a:solidFill>
                   <a:srgbClr val="EBDA06"/>
                 </a:solidFill>
-                <a:latin typeface="Trajan Pro" panose="02020502050506020301" pitchFamily="18" charset="0"/>
+                <a:latin typeface="Arial Rounded MT Bold" panose="020F0704030504030204" pitchFamily="34" charset="0"/>
                 <a:ea typeface="STCaiyun" panose="020B0503020204020204" pitchFamily="2" charset="-122"/>
               </a:rPr>
               <a:t>Não muito tempo atrás, em uma galáxia não muito distante...</a:t>
@@ -8634,7 +8630,7 @@
               <a:solidFill>
                 <a:srgbClr val="EBDA06"/>
               </a:solidFill>
-              <a:latin typeface="Trajan Pro" panose="02020502050506020301" pitchFamily="18" charset="0"/>
+              <a:latin typeface="Arial Rounded MT Bold" panose="020F0704030504030204" pitchFamily="34" charset="0"/>
               <a:ea typeface="STCaiyun" panose="020B0503020204020204" pitchFamily="2" charset="-122"/>
             </a:endParaRPr>
           </a:p>
@@ -8841,8 +8837,8 @@
         </p:nvSpPr>
         <p:spPr>
           <a:xfrm>
-            <a:off x="3854073" y="1313491"/>
-            <a:ext cx="4483853" cy="1015663"/>
+            <a:off x="3191343" y="1338658"/>
+            <a:ext cx="6514720" cy="1015663"/>
           </a:xfrm>
           <a:prstGeom prst="rect">
             <a:avLst/>
@@ -8878,8 +8874,8 @@
         </p:nvSpPr>
         <p:spPr>
           <a:xfrm>
-            <a:off x="5095507" y="2489590"/>
-            <a:ext cx="2000983" cy="461665"/>
+            <a:off x="4715643" y="2531535"/>
+            <a:ext cx="2760714" cy="461665"/>
           </a:xfrm>
           <a:prstGeom prst="rect">
             <a:avLst/>
@@ -9135,8 +9131,8 @@
         </p:nvSpPr>
         <p:spPr>
           <a:xfrm>
-            <a:off x="583558" y="1319513"/>
-            <a:ext cx="10007278" cy="3108543"/>
+            <a:off x="488667" y="1345704"/>
+            <a:ext cx="9190170" cy="2677656"/>
           </a:xfrm>
           <a:prstGeom prst="rect">
             <a:avLst/>
@@ -9151,43 +9147,43 @@
           <a:p>
             <a:r>
               <a:rPr lang="pt-BR" sz="2800" dirty="0">
-                <a:latin typeface="Trajan Pro" panose="02020502050506020301" pitchFamily="18" charset="0"/>
+                <a:latin typeface="Josefin Sans" panose="00000500000000000000" pitchFamily="2" charset="0"/>
               </a:rPr>
               <a:t>Nosso projeto foi desenvolvido para o estande da Lucas </a:t>
             </a:r>
             <a:r>
               <a:rPr lang="pt-BR" sz="2800" dirty="0" err="1">
-                <a:latin typeface="Trajan Pro" panose="02020502050506020301" pitchFamily="18" charset="0"/>
+                <a:latin typeface="Josefin Sans" panose="00000500000000000000" pitchFamily="2" charset="0"/>
               </a:rPr>
               <a:t>Arts</a:t>
             </a:r>
             <a:r>
               <a:rPr lang="pt-BR" sz="2800" dirty="0">
-                <a:latin typeface="Trajan Pro" panose="02020502050506020301" pitchFamily="18" charset="0"/>
+                <a:latin typeface="Josefin Sans" panose="00000500000000000000" pitchFamily="2" charset="0"/>
               </a:rPr>
               <a:t> que será apresentado na </a:t>
             </a:r>
             <a:r>
               <a:rPr lang="pt-BR" sz="2800" dirty="0" err="1">
-                <a:latin typeface="Trajan Pro" panose="02020502050506020301" pitchFamily="18" charset="0"/>
+                <a:latin typeface="Josefin Sans" panose="00000500000000000000" pitchFamily="2" charset="0"/>
               </a:rPr>
               <a:t>comic</a:t>
             </a:r>
             <a:r>
               <a:rPr lang="pt-BR" sz="2800" dirty="0">
-                <a:latin typeface="Trajan Pro" panose="02020502050506020301" pitchFamily="18" charset="0"/>
+                <a:latin typeface="Josefin Sans" panose="00000500000000000000" pitchFamily="2" charset="0"/>
               </a:rPr>
               <a:t> </a:t>
             </a:r>
             <a:r>
               <a:rPr lang="pt-BR" sz="2800" dirty="0" err="1">
-                <a:latin typeface="Trajan Pro" panose="02020502050506020301" pitchFamily="18" charset="0"/>
+                <a:latin typeface="Josefin Sans" panose="00000500000000000000" pitchFamily="2" charset="0"/>
               </a:rPr>
               <a:t>con</a:t>
             </a:r>
             <a:r>
               <a:rPr lang="pt-BR" sz="2800" dirty="0">
-                <a:latin typeface="Trajan Pro" panose="02020502050506020301" pitchFamily="18" charset="0"/>
+                <a:latin typeface="Josefin Sans" panose="00000500000000000000" pitchFamily="2" charset="0"/>
               </a:rPr>
               <a:t> 2018. Foi solicitado que desenvolvêssemos um banco de dados para armazenar os dados referentes aos personagens de Star Wars, de modo que pudesse ser adicionado à nova wiki atualizada do blog.</a:t>
             </a:r>
@@ -9459,8 +9455,8 @@
         </p:nvSpPr>
         <p:spPr>
           <a:xfrm>
-            <a:off x="4118623" y="1291902"/>
-            <a:ext cx="4555253" cy="1015663"/>
+            <a:off x="3355225" y="1300291"/>
+            <a:ext cx="6518617" cy="1015663"/>
           </a:xfrm>
           <a:prstGeom prst="rect">
             <a:avLst/>
@@ -9496,8 +9492,8 @@
         </p:nvSpPr>
         <p:spPr>
           <a:xfrm>
-            <a:off x="5243029" y="2437617"/>
-            <a:ext cx="2306440" cy="461665"/>
+            <a:off x="5100274" y="2437617"/>
+            <a:ext cx="3028517" cy="461665"/>
           </a:xfrm>
           <a:prstGeom prst="rect">
             <a:avLst/>
@@ -9760,7 +9756,7 @@
         <p:spPr>
           <a:xfrm>
             <a:off x="2416043" y="911425"/>
-            <a:ext cx="9771743" cy="2246769"/>
+            <a:ext cx="9771743" cy="1815882"/>
           </a:xfrm>
           <a:prstGeom prst="rect">
             <a:avLst/>
@@ -9775,7 +9771,7 @@
           <a:p>
             <a:r>
               <a:rPr lang="pt-BR" sz="2800" dirty="0">
-                <a:latin typeface="Trajan Pro" panose="02020502050506020301" pitchFamily="18" charset="0"/>
+                <a:latin typeface="Josefin Sans" panose="00000500000000000000" pitchFamily="2" charset="0"/>
               </a:rPr>
               <a:t>Para cada personagem da saga é necessário armazenar seu registro único, um bordão para ficar mais fácil reconhecê-lo, uma habilidade especial e sua altura, além disso, os personagens podem se relacionar. </a:t>
             </a:r>
@@ -10034,7 +10030,7 @@
         <p:spPr>
           <a:xfrm>
             <a:off x="86803" y="913880"/>
-            <a:ext cx="9245601" cy="3970318"/>
+            <a:ext cx="9245601" cy="3108543"/>
           </a:xfrm>
           <a:prstGeom prst="rect">
             <a:avLst/>
@@ -10048,17 +10044,16 @@
           <a:p>
             <a:r>
               <a:rPr lang="pt-BR" sz="2800" dirty="0">
-                <a:latin typeface="Trajan Pro" panose="02020502050506020301" pitchFamily="18" charset="0"/>
+                <a:latin typeface="Josefin Sans" panose="00000500000000000000" pitchFamily="2" charset="0"/>
               </a:rPr>
               <a:t>No universo Star Wars existem diversas raças, que se dividem em duas categorias: biológicas e robóticas. Um ser biológico possui um nome, cor do cabelo, gênero, ano de nascimento, ano de morte, raça, cor dos olhos e cor da pele. Um ser biológico pode treinar outros biológicos e pode construir seres robóticos. Cada ser biológico pertence a um lado da força</a:t>
             </a:r>
             <a:r>
               <a:rPr lang="pt-BR" dirty="0">
-                <a:latin typeface="Calibri" panose="020F0502020204030204" pitchFamily="34" charset="0"/>
+                <a:latin typeface="Josefin Sans" panose="00000500000000000000" pitchFamily="2" charset="0"/>
               </a:rPr>
               <a:t>.</a:t>
             </a:r>
-            <a:endParaRPr lang="pt-BR" dirty="0"/>
           </a:p>
         </p:txBody>
       </p:sp>
@@ -10254,7 +10249,7 @@
         <p:spPr>
           <a:xfrm>
             <a:off x="3502229" y="365125"/>
-            <a:ext cx="8273142" cy="2246769"/>
+            <a:ext cx="8273142" cy="1815882"/>
           </a:xfrm>
           <a:prstGeom prst="rect">
             <a:avLst/>
@@ -10269,7 +10264,7 @@
           <a:p>
             <a:r>
               <a:rPr lang="pt-BR" sz="2800" dirty="0">
-                <a:latin typeface="Trajan Pro" panose="02020502050506020301" pitchFamily="18" charset="0"/>
+                <a:latin typeface="Josefin Sans" panose="00000500000000000000" pitchFamily="2" charset="0"/>
               </a:rPr>
               <a:t>Um ser robótico possui cor da lataria, classe, cor do sensor, modelo, data de fabricação, data de destruição e série. Um robô pode possuir um equipamento, que possui um nome único.</a:t>
             </a:r>
@@ -10520,7 +10515,7 @@
         <p:spPr>
           <a:xfrm>
             <a:off x="477672" y="320457"/>
-            <a:ext cx="9326187" cy="3108543"/>
+            <a:ext cx="9326187" cy="2677656"/>
           </a:xfrm>
           <a:prstGeom prst="rect">
             <a:avLst/>
@@ -10535,7 +10530,7 @@
           <a:p>
             <a:r>
               <a:rPr lang="pt-BR" sz="2800" dirty="0">
-                <a:latin typeface="Trajan Pro" panose="02020502050506020301" pitchFamily="18" charset="0"/>
+                <a:latin typeface="Josefin Sans" panose="00000500000000000000" pitchFamily="2" charset="0"/>
               </a:rPr>
               <a:t>Por possuir diversos seres de diferentes raças, é interessante armazenar o planeta em que nasceram. Um planeta possui nome, região, sistema, setor, atmosfera, quantidade de luas e quantidade de sóis. Não deverá ser permitido cadastrar dois planetas com o mesmo nome.</a:t>
             </a:r>
